--- a/canastas verdes/CUADERNILLO SAGARPA.pptx
+++ b/canastas verdes/CUADERNILLO SAGARPA.pptx
@@ -112,7 +112,7 @@
   </p:defaultTextStyle>
   <p:extLst>
     <p:ext uri="{EFAFB233-063F-42B5-8137-9DF3F51BA10A}">
-      <p15:sldGuideLst xmlns="" xmlns:p15="http://schemas.microsoft.com/office/powerpoint/2012/main">
+      <p15:sldGuideLst xmlns:p15="http://schemas.microsoft.com/office/powerpoint/2012/main" xmlns="">
         <p15:guide id="1" orient="horz" pos="2160" userDrawn="1">
           <p15:clr>
             <a:srgbClr val="A4A3A4"/>
@@ -2838,6 +2838,13 @@
         </dgm:presLayoutVars>
       </dgm:prSet>
       <dgm:spPr/>
+      <dgm:t>
+        <a:bodyPr/>
+        <a:lstStyle/>
+        <a:p>
+          <a:endParaRPr lang="es-MX"/>
+        </a:p>
+      </dgm:t>
     </dgm:pt>
     <dgm:pt modelId="{62D99CE3-6DF4-4A7D-9D6B-EC3E55562F7A}" type="pres">
       <dgm:prSet presAssocID="{0AD689E3-476F-497B-A4C6-70FBA9CCF146}" presName="Parent" presStyleLbl="node0" presStyleIdx="0" presStyleCnt="1">
@@ -2872,6 +2879,13 @@
         </dgm:presLayoutVars>
       </dgm:prSet>
       <dgm:spPr/>
+      <dgm:t>
+        <a:bodyPr/>
+        <a:lstStyle/>
+        <a:p>
+          <a:endParaRPr lang="es-MX"/>
+        </a:p>
+      </dgm:t>
     </dgm:pt>
     <dgm:pt modelId="{97CE95FF-2DCF-429D-BA6B-8C7579BC0BBF}" type="pres">
       <dgm:prSet presAssocID="{099072E3-112C-45E6-A541-86D4F1BE39B0}" presName="Accent2" presStyleCnt="0"/>
@@ -2890,6 +2904,13 @@
         </dgm:presLayoutVars>
       </dgm:prSet>
       <dgm:spPr/>
+      <dgm:t>
+        <a:bodyPr/>
+        <a:lstStyle/>
+        <a:p>
+          <a:endParaRPr lang="es-MX"/>
+        </a:p>
+      </dgm:t>
     </dgm:pt>
     <dgm:pt modelId="{7A5C534E-EE5A-4E38-8256-B440B8E41B3D}" type="pres">
       <dgm:prSet presAssocID="{F6E99DC5-1222-4C6D-B53E-1D4F870A0648}" presName="Accent3" presStyleCnt="0"/>
@@ -2993,21 +3014,21 @@
     </dgm:pt>
   </dgm:ptLst>
   <dgm:cxnLst>
+    <dgm:cxn modelId="{B6EC9F64-E35A-4587-8237-17B5A52A28E0}" type="presOf" srcId="{E50D2EC4-2F89-4B4C-BF3F-57193472EF0F}" destId="{CB2BE5E4-F66F-4FD7-BE30-CF6915D2A818}" srcOrd="0" destOrd="0" presId="urn:microsoft.com/office/officeart/2011/layout/HexagonRadial"/>
+    <dgm:cxn modelId="{0A943E02-73DD-41CD-A238-9732C1BB8FF0}" srcId="{0AD689E3-476F-497B-A4C6-70FBA9CCF146}" destId="{099072E3-112C-45E6-A541-86D4F1BE39B0}" srcOrd="1" destOrd="0" parTransId="{AF0896A0-F0CD-4819-A89A-BF5DA15CB927}" sibTransId="{2038D8F4-F108-4D07-8057-482D63C3FCB0}"/>
+    <dgm:cxn modelId="{AA3EBAF1-28E9-4DC3-9C28-9E83B7A5CFFC}" type="presOf" srcId="{099072E3-112C-45E6-A541-86D4F1BE39B0}" destId="{BC123422-C329-480F-96BF-12A2B9B8D333}" srcOrd="0" destOrd="0" presId="urn:microsoft.com/office/officeart/2011/layout/HexagonRadial"/>
+    <dgm:cxn modelId="{D17341E6-9A47-45A2-B2AD-306E5EFAD938}" srcId="{0AD689E3-476F-497B-A4C6-70FBA9CCF146}" destId="{F6E99DC5-1222-4C6D-B53E-1D4F870A0648}" srcOrd="2" destOrd="0" parTransId="{22F5A1D6-4333-4C8B-B86C-103F41035BC0}" sibTransId="{D73708AC-2029-49A2-9CDB-D40C2E018AE2}"/>
+    <dgm:cxn modelId="{4932EA5B-2A4B-472D-9E31-51F2A02C6493}" type="presOf" srcId="{C0BBF662-08A5-44B2-A29F-E5DBF5941457}" destId="{7417AFED-FC2F-45D7-8A71-B241AE5EF051}" srcOrd="0" destOrd="0" presId="urn:microsoft.com/office/officeart/2011/layout/HexagonRadial"/>
+    <dgm:cxn modelId="{3F2284DB-1C4D-4B28-B78A-68DFA8C7AF29}" type="presOf" srcId="{F6E99DC5-1222-4C6D-B53E-1D4F870A0648}" destId="{C96374C2-D97C-485A-A1F8-99CF79A940DB}" srcOrd="0" destOrd="0" presId="urn:microsoft.com/office/officeart/2011/layout/HexagonRadial"/>
+    <dgm:cxn modelId="{4C6CBDE7-DDB9-457C-9A4A-B8844F6191C1}" type="presOf" srcId="{0034F6E0-EFF6-4783-9236-4201C8776F6F}" destId="{D7C16279-43C6-4EB9-95AC-691B69E64B40}" srcOrd="0" destOrd="0" presId="urn:microsoft.com/office/officeart/2011/layout/HexagonRadial"/>
+    <dgm:cxn modelId="{E54401D1-5298-4896-9BEB-FA12FD38EFF1}" type="presOf" srcId="{0AD689E3-476F-497B-A4C6-70FBA9CCF146}" destId="{62D99CE3-6DF4-4A7D-9D6B-EC3E55562F7A}" srcOrd="0" destOrd="0" presId="urn:microsoft.com/office/officeart/2011/layout/HexagonRadial"/>
+    <dgm:cxn modelId="{D9DAAC48-FC9F-4EDB-B0CC-20847B464A16}" srcId="{0AD689E3-476F-497B-A4C6-70FBA9CCF146}" destId="{E50D2EC4-2F89-4B4C-BF3F-57193472EF0F}" srcOrd="0" destOrd="0" parTransId="{BA16BE9C-6560-45A7-B330-145AADC5FD50}" sibTransId="{2F2603A4-1B80-46D4-995B-FB993D278817}"/>
+    <dgm:cxn modelId="{015E3540-4ABA-471D-8E17-3DE11BAD84F5}" type="presOf" srcId="{A6667859-EEDD-4887-A8AE-F40047FDE524}" destId="{12E23D73-1486-4CA4-9CD3-7138AA1E19E7}" srcOrd="0" destOrd="0" presId="urn:microsoft.com/office/officeart/2011/layout/HexagonRadial"/>
+    <dgm:cxn modelId="{ABE08F35-CFC7-43E2-9AD0-E0A5A272B3D1}" srcId="{0AD689E3-476F-497B-A4C6-70FBA9CCF146}" destId="{C3F69DA3-827E-4567-9D80-6C616E08B74B}" srcOrd="5" destOrd="0" parTransId="{63D6D827-5FF8-4182-AFD4-CC7409D00A6D}" sibTransId="{04E93311-DCE6-4B07-A15D-FCA700880B5B}"/>
+    <dgm:cxn modelId="{29CD4971-F63A-4C9E-8B6F-67CB38D33434}" srcId="{0AD689E3-476F-497B-A4C6-70FBA9CCF146}" destId="{0034F6E0-EFF6-4783-9236-4201C8776F6F}" srcOrd="4" destOrd="0" parTransId="{C61BF4BA-44F1-466B-BC13-422B315F82BC}" sibTransId="{AF8C42EA-49D6-4CF0-BF86-F7A9C4312DFE}"/>
     <dgm:cxn modelId="{E3139E45-8C95-4666-9A13-8B6DB2FFF061}" type="presOf" srcId="{C3F69DA3-827E-4567-9D80-6C616E08B74B}" destId="{C0693F01-5F79-417E-BD16-A73FA104EE88}" srcOrd="0" destOrd="0" presId="urn:microsoft.com/office/officeart/2011/layout/HexagonRadial"/>
-    <dgm:cxn modelId="{AA3EBAF1-28E9-4DC3-9C28-9E83B7A5CFFC}" type="presOf" srcId="{099072E3-112C-45E6-A541-86D4F1BE39B0}" destId="{BC123422-C329-480F-96BF-12A2B9B8D333}" srcOrd="0" destOrd="0" presId="urn:microsoft.com/office/officeart/2011/layout/HexagonRadial"/>
-    <dgm:cxn modelId="{0A943E02-73DD-41CD-A238-9732C1BB8FF0}" srcId="{0AD689E3-476F-497B-A4C6-70FBA9CCF146}" destId="{099072E3-112C-45E6-A541-86D4F1BE39B0}" srcOrd="1" destOrd="0" parTransId="{AF0896A0-F0CD-4819-A89A-BF5DA15CB927}" sibTransId="{2038D8F4-F108-4D07-8057-482D63C3FCB0}"/>
-    <dgm:cxn modelId="{D9DAAC48-FC9F-4EDB-B0CC-20847B464A16}" srcId="{0AD689E3-476F-497B-A4C6-70FBA9CCF146}" destId="{E50D2EC4-2F89-4B4C-BF3F-57193472EF0F}" srcOrd="0" destOrd="0" parTransId="{BA16BE9C-6560-45A7-B330-145AADC5FD50}" sibTransId="{2F2603A4-1B80-46D4-995B-FB993D278817}"/>
-    <dgm:cxn modelId="{4932EA5B-2A4B-472D-9E31-51F2A02C6493}" type="presOf" srcId="{C0BBF662-08A5-44B2-A29F-E5DBF5941457}" destId="{7417AFED-FC2F-45D7-8A71-B241AE5EF051}" srcOrd="0" destOrd="0" presId="urn:microsoft.com/office/officeart/2011/layout/HexagonRadial"/>
-    <dgm:cxn modelId="{B6EC9F64-E35A-4587-8237-17B5A52A28E0}" type="presOf" srcId="{E50D2EC4-2F89-4B4C-BF3F-57193472EF0F}" destId="{CB2BE5E4-F66F-4FD7-BE30-CF6915D2A818}" srcOrd="0" destOrd="0" presId="urn:microsoft.com/office/officeart/2011/layout/HexagonRadial"/>
-    <dgm:cxn modelId="{ABE08F35-CFC7-43E2-9AD0-E0A5A272B3D1}" srcId="{0AD689E3-476F-497B-A4C6-70FBA9CCF146}" destId="{C3F69DA3-827E-4567-9D80-6C616E08B74B}" srcOrd="5" destOrd="0" parTransId="{63D6D827-5FF8-4182-AFD4-CC7409D00A6D}" sibTransId="{04E93311-DCE6-4B07-A15D-FCA700880B5B}"/>
-    <dgm:cxn modelId="{4C6CBDE7-DDB9-457C-9A4A-B8844F6191C1}" type="presOf" srcId="{0034F6E0-EFF6-4783-9236-4201C8776F6F}" destId="{D7C16279-43C6-4EB9-95AC-691B69E64B40}" srcOrd="0" destOrd="0" presId="urn:microsoft.com/office/officeart/2011/layout/HexagonRadial"/>
-    <dgm:cxn modelId="{D17341E6-9A47-45A2-B2AD-306E5EFAD938}" srcId="{0AD689E3-476F-497B-A4C6-70FBA9CCF146}" destId="{F6E99DC5-1222-4C6D-B53E-1D4F870A0648}" srcOrd="2" destOrd="0" parTransId="{22F5A1D6-4333-4C8B-B86C-103F41035BC0}" sibTransId="{D73708AC-2029-49A2-9CDB-D40C2E018AE2}"/>
-    <dgm:cxn modelId="{015E3540-4ABA-471D-8E17-3DE11BAD84F5}" type="presOf" srcId="{A6667859-EEDD-4887-A8AE-F40047FDE524}" destId="{12E23D73-1486-4CA4-9CD3-7138AA1E19E7}" srcOrd="0" destOrd="0" presId="urn:microsoft.com/office/officeart/2011/layout/HexagonRadial"/>
     <dgm:cxn modelId="{B7B74459-40AD-4DCD-9C56-67250E1ABCD1}" srcId="{C0BBF662-08A5-44B2-A29F-E5DBF5941457}" destId="{0AD689E3-476F-497B-A4C6-70FBA9CCF146}" srcOrd="0" destOrd="0" parTransId="{15F663F6-A2E1-4A61-B738-F1894BC7EE20}" sibTransId="{BD5E39F2-AFFA-4903-92C6-0A3A1385581C}"/>
     <dgm:cxn modelId="{EBB74D8B-A5FA-41E7-B9AF-8C43ED814E3C}" srcId="{0AD689E3-476F-497B-A4C6-70FBA9CCF146}" destId="{A6667859-EEDD-4887-A8AE-F40047FDE524}" srcOrd="3" destOrd="0" parTransId="{3E1DA055-FA1D-4442-8BB3-5DD8BFC7BD99}" sibTransId="{505F6566-5C85-41BA-9408-8BE9C589C989}"/>
-    <dgm:cxn modelId="{29CD4971-F63A-4C9E-8B6F-67CB38D33434}" srcId="{0AD689E3-476F-497B-A4C6-70FBA9CCF146}" destId="{0034F6E0-EFF6-4783-9236-4201C8776F6F}" srcOrd="4" destOrd="0" parTransId="{C61BF4BA-44F1-466B-BC13-422B315F82BC}" sibTransId="{AF8C42EA-49D6-4CF0-BF86-F7A9C4312DFE}"/>
-    <dgm:cxn modelId="{3F2284DB-1C4D-4B28-B78A-68DFA8C7AF29}" type="presOf" srcId="{F6E99DC5-1222-4C6D-B53E-1D4F870A0648}" destId="{C96374C2-D97C-485A-A1F8-99CF79A940DB}" srcOrd="0" destOrd="0" presId="urn:microsoft.com/office/officeart/2011/layout/HexagonRadial"/>
-    <dgm:cxn modelId="{E54401D1-5298-4896-9BEB-FA12FD38EFF1}" type="presOf" srcId="{0AD689E3-476F-497B-A4C6-70FBA9CCF146}" destId="{62D99CE3-6DF4-4A7D-9D6B-EC3E55562F7A}" srcOrd="0" destOrd="0" presId="urn:microsoft.com/office/officeart/2011/layout/HexagonRadial"/>
     <dgm:cxn modelId="{473EE2D4-58D6-44A5-A7D8-B44ADD54C64C}" type="presParOf" srcId="{7417AFED-FC2F-45D7-8A71-B241AE5EF051}" destId="{62D99CE3-6DF4-4A7D-9D6B-EC3E55562F7A}" srcOrd="0" destOrd="0" presId="urn:microsoft.com/office/officeart/2011/layout/HexagonRadial"/>
     <dgm:cxn modelId="{B624B667-9152-441A-A45B-49C5212DF757}" type="presParOf" srcId="{7417AFED-FC2F-45D7-8A71-B241AE5EF051}" destId="{89D4ADA2-D96A-4590-9120-0E3BD5E546D2}" srcOrd="1" destOrd="0" presId="urn:microsoft.com/office/officeart/2011/layout/HexagonRadial"/>
     <dgm:cxn modelId="{FE944544-AB06-45DA-8BDD-A3A05FFC72BF}" type="presParOf" srcId="{89D4ADA2-D96A-4590-9120-0E3BD5E546D2}" destId="{94BD0ED5-A38C-4932-A099-5176B4C68BF7}" srcOrd="0" destOrd="0" presId="urn:microsoft.com/office/officeart/2011/layout/HexagonRadial"/>
@@ -3326,6 +3347,13 @@
         </dgm:presLayoutVars>
       </dgm:prSet>
       <dgm:spPr/>
+      <dgm:t>
+        <a:bodyPr/>
+        <a:lstStyle/>
+        <a:p>
+          <a:endParaRPr lang="es-MX"/>
+        </a:p>
+      </dgm:t>
     </dgm:pt>
     <dgm:pt modelId="{62D99CE3-6DF4-4A7D-9D6B-EC3E55562F7A}" type="pres">
       <dgm:prSet presAssocID="{0AD689E3-476F-497B-A4C6-70FBA9CCF146}" presName="Parent" presStyleLbl="node0" presStyleIdx="0" presStyleCnt="1">
@@ -3360,6 +3388,13 @@
         </dgm:presLayoutVars>
       </dgm:prSet>
       <dgm:spPr/>
+      <dgm:t>
+        <a:bodyPr/>
+        <a:lstStyle/>
+        <a:p>
+          <a:endParaRPr lang="es-MX"/>
+        </a:p>
+      </dgm:t>
     </dgm:pt>
     <dgm:pt modelId="{97CE95FF-2DCF-429D-BA6B-8C7579BC0BBF}" type="pres">
       <dgm:prSet presAssocID="{099072E3-112C-45E6-A541-86D4F1BE39B0}" presName="Accent2" presStyleCnt="0"/>
@@ -3378,6 +3413,13 @@
         </dgm:presLayoutVars>
       </dgm:prSet>
       <dgm:spPr/>
+      <dgm:t>
+        <a:bodyPr/>
+        <a:lstStyle/>
+        <a:p>
+          <a:endParaRPr lang="es-MX"/>
+        </a:p>
+      </dgm:t>
     </dgm:pt>
     <dgm:pt modelId="{7A5C534E-EE5A-4E38-8256-B440B8E41B3D}" type="pres">
       <dgm:prSet presAssocID="{F6E99DC5-1222-4C6D-B53E-1D4F870A0648}" presName="Accent3" presStyleCnt="0"/>
@@ -3488,8 +3530,8 @@
     <dgm:cxn modelId="{E1CDDF96-3D99-45FB-BB9F-DE4B1E149AD5}" type="presOf" srcId="{C0BBF662-08A5-44B2-A29F-E5DBF5941457}" destId="{7417AFED-FC2F-45D7-8A71-B241AE5EF051}" srcOrd="0" destOrd="0" presId="urn:microsoft.com/office/officeart/2011/layout/HexagonRadial"/>
     <dgm:cxn modelId="{D4B539A1-E233-406E-8B7B-DC0FF35D5799}" type="presOf" srcId="{C3F69DA3-827E-4567-9D80-6C616E08B74B}" destId="{C0693F01-5F79-417E-BD16-A73FA104EE88}" srcOrd="0" destOrd="0" presId="urn:microsoft.com/office/officeart/2011/layout/HexagonRadial"/>
     <dgm:cxn modelId="{FBFC3332-A385-4FAF-9988-56AFFAA29DA7}" type="presOf" srcId="{F6E99DC5-1222-4C6D-B53E-1D4F870A0648}" destId="{C96374C2-D97C-485A-A1F8-99CF79A940DB}" srcOrd="0" destOrd="0" presId="urn:microsoft.com/office/officeart/2011/layout/HexagonRadial"/>
+    <dgm:cxn modelId="{D9DAAC48-FC9F-4EDB-B0CC-20847B464A16}" srcId="{0AD689E3-476F-497B-A4C6-70FBA9CCF146}" destId="{E50D2EC4-2F89-4B4C-BF3F-57193472EF0F}" srcOrd="0" destOrd="0" parTransId="{BA16BE9C-6560-45A7-B330-145AADC5FD50}" sibTransId="{2F2603A4-1B80-46D4-995B-FB993D278817}"/>
     <dgm:cxn modelId="{C05E73D3-D416-4E97-99B8-B62868057111}" type="presOf" srcId="{0034F6E0-EFF6-4783-9236-4201C8776F6F}" destId="{D7C16279-43C6-4EB9-95AC-691B69E64B40}" srcOrd="0" destOrd="0" presId="urn:microsoft.com/office/officeart/2011/layout/HexagonRadial"/>
-    <dgm:cxn modelId="{D9DAAC48-FC9F-4EDB-B0CC-20847B464A16}" srcId="{0AD689E3-476F-497B-A4C6-70FBA9CCF146}" destId="{E50D2EC4-2F89-4B4C-BF3F-57193472EF0F}" srcOrd="0" destOrd="0" parTransId="{BA16BE9C-6560-45A7-B330-145AADC5FD50}" sibTransId="{2F2603A4-1B80-46D4-995B-FB993D278817}"/>
     <dgm:cxn modelId="{ABE08F35-CFC7-43E2-9AD0-E0A5A272B3D1}" srcId="{0AD689E3-476F-497B-A4C6-70FBA9CCF146}" destId="{C3F69DA3-827E-4567-9D80-6C616E08B74B}" srcOrd="5" destOrd="0" parTransId="{63D6D827-5FF8-4182-AFD4-CC7409D00A6D}" sibTransId="{04E93311-DCE6-4B07-A15D-FCA700880B5B}"/>
     <dgm:cxn modelId="{29CD4971-F63A-4C9E-8B6F-67CB38D33434}" srcId="{0AD689E3-476F-497B-A4C6-70FBA9CCF146}" destId="{0034F6E0-EFF6-4783-9236-4201C8776F6F}" srcOrd="4" destOrd="0" parTransId="{C61BF4BA-44F1-466B-BC13-422B315F82BC}" sibTransId="{AF8C42EA-49D6-4CF0-BF86-F7A9C4312DFE}"/>
     <dgm:cxn modelId="{4CA51EA7-3705-4A4F-91EA-FE0A2ABD12F0}" type="presOf" srcId="{0AD689E3-476F-497B-A4C6-70FBA9CCF146}" destId="{62D99CE3-6DF4-4A7D-9D6B-EC3E55562F7A}" srcOrd="0" destOrd="0" presId="urn:microsoft.com/office/officeart/2011/layout/HexagonRadial"/>
@@ -4049,11 +4091,7 @@
         <a:p>
           <a:r>
             <a:rPr lang="es-MX" sz="1400" dirty="0" smtClean="0"/>
-            <a:t>Organiza, </a:t>
-          </a:r>
-          <a:r>
-            <a:rPr lang="es-MX" sz="1400" dirty="0" smtClean="0"/>
-            <a:t>cosecha, acopio y transporte</a:t>
+            <a:t>Organiza, cosecha, acopio y transporte</a:t>
           </a:r>
           <a:endParaRPr lang="es-MX" sz="1400" dirty="0"/>
         </a:p>
@@ -4198,11 +4236,7 @@
         <a:p>
           <a:r>
             <a:rPr lang="es-MX" sz="1400" dirty="0" smtClean="0"/>
-            <a:t>Entrega </a:t>
-          </a:r>
-          <a:r>
-            <a:rPr lang="es-MX" sz="1400" dirty="0" smtClean="0"/>
-            <a:t>de CV por punto de entrega</a:t>
+            <a:t>Entrega de CV por punto de entrega</a:t>
           </a:r>
           <a:endParaRPr lang="es-MX" sz="1400" dirty="0"/>
         </a:p>
@@ -4511,54 +4545,54 @@
     </dgm:pt>
   </dgm:ptLst>
   <dgm:cxnLst>
-    <dgm:cxn modelId="{8E80EF3F-7C30-41A7-8531-84C5B5643F48}" type="presOf" srcId="{DFF3C008-8EA4-44FC-8577-EEA70C3DC453}" destId="{1C4A1DA2-1A95-4652-AACE-8311DB8F85C7}" srcOrd="0" destOrd="0" presId="urn:microsoft.com/office/officeart/2005/8/layout/hProcess4"/>
+    <dgm:cxn modelId="{B2509BCD-C5AB-4CBA-AE25-8A40D383CDED}" srcId="{0B914B05-8895-4C93-BA6D-152D78A57195}" destId="{C52447C1-F966-4BB4-8160-38846F099C0A}" srcOrd="2" destOrd="0" parTransId="{C368A9C7-65FF-4ECE-A03D-B3DCD64F35E5}" sibTransId="{518A1380-F07C-4097-920E-B816BDF5068C}"/>
+    <dgm:cxn modelId="{C1FD666B-BCCB-4286-AAB0-EEC257E6421D}" srcId="{CEBB40F9-A87F-42EF-AD38-E5D616854E50}" destId="{54D46E80-EF20-4AFB-913D-C0704C878799}" srcOrd="3" destOrd="0" parTransId="{72AF46A1-E77A-4189-9163-94D66723D185}" sibTransId="{D935A5D4-FBE4-4EB8-9BA8-87D14B29282E}"/>
+    <dgm:cxn modelId="{F464CB64-EF7A-46F3-9EC9-370AF2FF3C6D}" srcId="{302CFE00-3F48-4095-BCBB-D6F9576B11DD}" destId="{D3338087-11B7-4B09-B9ED-3CCC02712ABF}" srcOrd="1" destOrd="0" parTransId="{51BB3A4D-D3F4-4FB3-9315-E7B02B52D134}" sibTransId="{8F78D906-0DAA-41EE-BAD3-93C3882D8A0A}"/>
+    <dgm:cxn modelId="{E4B50447-42E2-4517-8E3F-7800F46A0133}" type="presOf" srcId="{C2327203-37E4-4A73-9C08-97D7857C5EE3}" destId="{59674CAB-D590-495F-A3C3-2BB5DCF00257}" srcOrd="0" destOrd="0" presId="urn:microsoft.com/office/officeart/2005/8/layout/hProcess4"/>
+    <dgm:cxn modelId="{801C9225-D3E6-4AFA-87F8-A9FA6DC2F4D2}" type="presOf" srcId="{4FD8FDEB-E8A1-41E9-962F-891E6936C0BC}" destId="{C2B27969-E2C3-4144-9634-21D6F6AEA95C}" srcOrd="0" destOrd="1" presId="urn:microsoft.com/office/officeart/2005/8/layout/hProcess4"/>
+    <dgm:cxn modelId="{02DF977F-44D6-4AFD-BBAB-8D566D1CE50D}" type="presOf" srcId="{F834004B-C375-46A6-8131-1D4F17CF711F}" destId="{6B1A799C-E016-4120-800B-FD03E88B24E5}" srcOrd="0" destOrd="2" presId="urn:microsoft.com/office/officeart/2005/8/layout/hProcess4"/>
+    <dgm:cxn modelId="{77586FFB-D799-420F-97DB-B4CFB8C09057}" type="presOf" srcId="{3C304B84-9C1E-4E8A-B87A-ED6D8EE66903}" destId="{B5980C0B-D124-489E-AB4E-F69B06FB8F6F}" srcOrd="0" destOrd="1" presId="urn:microsoft.com/office/officeart/2005/8/layout/hProcess4"/>
+    <dgm:cxn modelId="{56BFAE0F-F087-44CB-A28C-9E4CB1E80547}" srcId="{302CFE00-3F48-4095-BCBB-D6F9576B11DD}" destId="{650604A5-58C8-4D20-AD00-3EBFE0987370}" srcOrd="3" destOrd="0" parTransId="{CF8E187B-9F42-4128-A48D-068737D98C8D}" sibTransId="{AE9EF56B-73BC-406D-9A7C-544E818A15BE}"/>
+    <dgm:cxn modelId="{205DDA48-3C87-4CA0-A29B-76F4B8B502D1}" type="presOf" srcId="{25D18B04-A81D-4D70-BBB5-F85ED6922DD4}" destId="{295261B3-358B-4BB5-AFD0-A0FFBA15D31C}" srcOrd="1" destOrd="0" presId="urn:microsoft.com/office/officeart/2005/8/layout/hProcess4"/>
+    <dgm:cxn modelId="{9735579C-146C-40A2-9B28-B4EEF5728CF7}" type="presOf" srcId="{302CFE00-3F48-4095-BCBB-D6F9576B11DD}" destId="{AE31E570-25AF-4312-9A52-83251E1FD599}" srcOrd="0" destOrd="0" presId="urn:microsoft.com/office/officeart/2005/8/layout/hProcess4"/>
+    <dgm:cxn modelId="{7A613351-8C37-4F79-A75C-D116E932D4D9}" type="presOf" srcId="{CBB97881-7E70-4D02-9FA5-994F17DE08A7}" destId="{B5980C0B-D124-489E-AB4E-F69B06FB8F6F}" srcOrd="0" destOrd="0" presId="urn:microsoft.com/office/officeart/2005/8/layout/hProcess4"/>
+    <dgm:cxn modelId="{555A24F5-6359-4001-AA34-099690A11AE0}" type="presOf" srcId="{CEBB40F9-A87F-42EF-AD38-E5D616854E50}" destId="{98BD4D6C-0779-433B-8D74-DD05B6708189}" srcOrd="0" destOrd="0" presId="urn:microsoft.com/office/officeart/2005/8/layout/hProcess4"/>
+    <dgm:cxn modelId="{7B4B8670-CC15-4B7A-8471-2041F322335E}" srcId="{CEBB40F9-A87F-42EF-AD38-E5D616854E50}" destId="{203DAFCB-34E5-42A2-A019-42473EA8C6B1}" srcOrd="0" destOrd="0" parTransId="{FA79E746-6233-46E2-8825-8693C373D160}" sibTransId="{30CB152C-3076-4684-94E6-995FD26BEDF0}"/>
+    <dgm:cxn modelId="{B7B7A91B-A434-4516-8371-1270A23F7AB7}" type="presOf" srcId="{650604A5-58C8-4D20-AD00-3EBFE0987370}" destId="{6B1A799C-E016-4120-800B-FD03E88B24E5}" srcOrd="0" destOrd="3" presId="urn:microsoft.com/office/officeart/2005/8/layout/hProcess4"/>
+    <dgm:cxn modelId="{40C33FA7-A346-44C8-93DE-FD83B9D43801}" srcId="{C52447C1-F966-4BB4-8160-38846F099C0A}" destId="{CBB97881-7E70-4D02-9FA5-994F17DE08A7}" srcOrd="0" destOrd="0" parTransId="{BB05A33C-B452-4A01-94DA-F9AC8671CB40}" sibTransId="{1AA208F5-2814-4563-A046-0C4C32EAF72C}"/>
+    <dgm:cxn modelId="{E0A53A4A-9B2C-45FE-BEF9-7E271DAEEE7D}" type="presOf" srcId="{CBB97881-7E70-4D02-9FA5-994F17DE08A7}" destId="{C197166F-93DF-4BCC-B98B-A2D995B06DE8}" srcOrd="1" destOrd="0" presId="urn:microsoft.com/office/officeart/2005/8/layout/hProcess4"/>
+    <dgm:cxn modelId="{1239172C-DDB6-40D0-A11B-808F6463391F}" srcId="{0B914B05-8895-4C93-BA6D-152D78A57195}" destId="{CEBB40F9-A87F-42EF-AD38-E5D616854E50}" srcOrd="1" destOrd="0" parTransId="{32350FCB-F0D4-4068-80C9-B08F67F8E839}" sibTransId="{C2327203-37E4-4A73-9C08-97D7857C5EE3}"/>
+    <dgm:cxn modelId="{69A1A5CC-BFEF-47D7-A681-ECAC532C3608}" srcId="{C52447C1-F966-4BB4-8160-38846F099C0A}" destId="{D41F5771-3F9F-4F1D-ACD5-D30FCE77AE4C}" srcOrd="3" destOrd="0" parTransId="{78830965-9F31-49CE-B72A-D7717D9D6DB3}" sibTransId="{D8A43775-C504-4D5F-AEE9-B799B3EE3140}"/>
+    <dgm:cxn modelId="{6D933047-34E4-4A90-A7C2-5DDB1D3BAB88}" srcId="{CEBB40F9-A87F-42EF-AD38-E5D616854E50}" destId="{4FD8FDEB-E8A1-41E9-962F-891E6936C0BC}" srcOrd="1" destOrd="0" parTransId="{ACEF541B-7FA0-43D9-8CFA-2E8A08939448}" sibTransId="{BED2EC2F-CF1A-4DB6-BE31-FA2BCB407B0F}"/>
+    <dgm:cxn modelId="{E20DD0BE-552C-483E-95AA-F5D94ADAE7D9}" srcId="{302CFE00-3F48-4095-BCBB-D6F9576B11DD}" destId="{25D18B04-A81D-4D70-BBB5-F85ED6922DD4}" srcOrd="0" destOrd="0" parTransId="{0AA3D0E1-CBF6-49E6-9A28-623A39A08EF1}" sibTransId="{BDCBC3FD-3083-4B75-A704-D8344B669905}"/>
     <dgm:cxn modelId="{06EFA688-0AA2-42B9-AA79-8D818BC3FC90}" type="presOf" srcId="{D41F5771-3F9F-4F1D-ACD5-D30FCE77AE4C}" destId="{B5980C0B-D124-489E-AB4E-F69B06FB8F6F}" srcOrd="0" destOrd="3" presId="urn:microsoft.com/office/officeart/2005/8/layout/hProcess4"/>
     <dgm:cxn modelId="{B5E971DC-D151-4C1D-B99B-CC17359F019D}" type="presOf" srcId="{25D18B04-A81D-4D70-BBB5-F85ED6922DD4}" destId="{6B1A799C-E016-4120-800B-FD03E88B24E5}" srcOrd="0" destOrd="0" presId="urn:microsoft.com/office/officeart/2005/8/layout/hProcess4"/>
-    <dgm:cxn modelId="{7A613351-8C37-4F79-A75C-D116E932D4D9}" type="presOf" srcId="{CBB97881-7E70-4D02-9FA5-994F17DE08A7}" destId="{B5980C0B-D124-489E-AB4E-F69B06FB8F6F}" srcOrd="0" destOrd="0" presId="urn:microsoft.com/office/officeart/2005/8/layout/hProcess4"/>
-    <dgm:cxn modelId="{69A1A5CC-BFEF-47D7-A681-ECAC532C3608}" srcId="{C52447C1-F966-4BB4-8160-38846F099C0A}" destId="{D41F5771-3F9F-4F1D-ACD5-D30FCE77AE4C}" srcOrd="3" destOrd="0" parTransId="{78830965-9F31-49CE-B72A-D7717D9D6DB3}" sibTransId="{D8A43775-C504-4D5F-AEE9-B799B3EE3140}"/>
-    <dgm:cxn modelId="{555A24F5-6359-4001-AA34-099690A11AE0}" type="presOf" srcId="{CEBB40F9-A87F-42EF-AD38-E5D616854E50}" destId="{98BD4D6C-0779-433B-8D74-DD05B6708189}" srcOrd="0" destOrd="0" presId="urn:microsoft.com/office/officeart/2005/8/layout/hProcess4"/>
+    <dgm:cxn modelId="{0F27B9C3-11A7-4D72-9477-22EF340EBC36}" type="presOf" srcId="{F834004B-C375-46A6-8131-1D4F17CF711F}" destId="{295261B3-358B-4BB5-AFD0-A0FFBA15D31C}" srcOrd="1" destOrd="2" presId="urn:microsoft.com/office/officeart/2005/8/layout/hProcess4"/>
+    <dgm:cxn modelId="{39DCA7AC-343C-477F-9B55-6511A08752EB}" srcId="{302CFE00-3F48-4095-BCBB-D6F9576B11DD}" destId="{F834004B-C375-46A6-8131-1D4F17CF711F}" srcOrd="2" destOrd="0" parTransId="{E6DEB178-DF4E-41F2-AE8F-434076452011}" sibTransId="{FCD7EC6C-9C3C-4DB4-843D-DBBB157B2F90}"/>
+    <dgm:cxn modelId="{77E6733F-2BC2-4C9A-B238-39C86EEE4F90}" type="presOf" srcId="{4FD8FDEB-E8A1-41E9-962F-891E6936C0BC}" destId="{B1634402-A3BB-4730-85E7-1991323416C4}" srcOrd="1" destOrd="1" presId="urn:microsoft.com/office/officeart/2005/8/layout/hProcess4"/>
+    <dgm:cxn modelId="{982251C1-68D9-4C02-946A-79F04B308279}" type="presOf" srcId="{8092328C-88A7-4757-A57A-25EDAA186BDE}" destId="{B1634402-A3BB-4730-85E7-1991323416C4}" srcOrd="1" destOrd="2" presId="urn:microsoft.com/office/officeart/2005/8/layout/hProcess4"/>
+    <dgm:cxn modelId="{C0765E55-995F-420A-BBFB-A06C746BD404}" srcId="{302CFE00-3F48-4095-BCBB-D6F9576B11DD}" destId="{8EC432C2-19B3-4F3E-99AF-612569983479}" srcOrd="4" destOrd="0" parTransId="{1BC6A573-5489-41BC-9395-B16E7A40A855}" sibTransId="{2AECE456-8585-4DB8-B5A3-6BD9A670EF4D}"/>
     <dgm:cxn modelId="{095FCA6C-47A0-4FC1-A611-A58EA5C5CF23}" type="presOf" srcId="{3C304B84-9C1E-4E8A-B87A-ED6D8EE66903}" destId="{C197166F-93DF-4BCC-B98B-A2D995B06DE8}" srcOrd="1" destOrd="1" presId="urn:microsoft.com/office/officeart/2005/8/layout/hProcess4"/>
+    <dgm:cxn modelId="{70A6E62F-729D-4FB8-8264-C41AEC8F95FE}" type="presOf" srcId="{E85E6D07-C515-4433-9051-AE55E56A82C2}" destId="{B5980C0B-D124-489E-AB4E-F69B06FB8F6F}" srcOrd="0" destOrd="2" presId="urn:microsoft.com/office/officeart/2005/8/layout/hProcess4"/>
+    <dgm:cxn modelId="{8E80EF3F-7C30-41A7-8531-84C5B5643F48}" type="presOf" srcId="{DFF3C008-8EA4-44FC-8577-EEA70C3DC453}" destId="{1C4A1DA2-1A95-4652-AACE-8311DB8F85C7}" srcOrd="0" destOrd="0" presId="urn:microsoft.com/office/officeart/2005/8/layout/hProcess4"/>
+    <dgm:cxn modelId="{151F81D4-0693-4F77-9097-8E56FDF8635B}" type="presOf" srcId="{0B914B05-8895-4C93-BA6D-152D78A57195}" destId="{6E6E0D4F-8E59-40AE-B16D-4AA8A94800E6}" srcOrd="0" destOrd="0" presId="urn:microsoft.com/office/officeart/2005/8/layout/hProcess4"/>
+    <dgm:cxn modelId="{DA4F1296-E997-4494-86EA-51684182BA9B}" type="presOf" srcId="{8092328C-88A7-4757-A57A-25EDAA186BDE}" destId="{C2B27969-E2C3-4144-9634-21D6F6AEA95C}" srcOrd="0" destOrd="2" presId="urn:microsoft.com/office/officeart/2005/8/layout/hProcess4"/>
+    <dgm:cxn modelId="{9631DC30-707D-4F3A-9A44-87264E4DF252}" type="presOf" srcId="{D3338087-11B7-4B09-B9ED-3CCC02712ABF}" destId="{6B1A799C-E016-4120-800B-FD03E88B24E5}" srcOrd="0" destOrd="1" presId="urn:microsoft.com/office/officeart/2005/8/layout/hProcess4"/>
+    <dgm:cxn modelId="{EACF5F30-1CEF-43E2-8D3B-351DA775404D}" type="presOf" srcId="{203DAFCB-34E5-42A2-A019-42473EA8C6B1}" destId="{B1634402-A3BB-4730-85E7-1991323416C4}" srcOrd="1" destOrd="0" presId="urn:microsoft.com/office/officeart/2005/8/layout/hProcess4"/>
+    <dgm:cxn modelId="{C7D135A8-8FC5-4DD8-89AD-35F49EA6AA68}" type="presOf" srcId="{8EC432C2-19B3-4F3E-99AF-612569983479}" destId="{295261B3-358B-4BB5-AFD0-A0FFBA15D31C}" srcOrd="1" destOrd="4" presId="urn:microsoft.com/office/officeart/2005/8/layout/hProcess4"/>
+    <dgm:cxn modelId="{CD661AFF-DA75-4B58-8A0C-D889598C082C}" srcId="{CEBB40F9-A87F-42EF-AD38-E5D616854E50}" destId="{8092328C-88A7-4757-A57A-25EDAA186BDE}" srcOrd="2" destOrd="0" parTransId="{3965846E-3FF9-48FB-96E6-FD9F0BBCA3BE}" sibTransId="{EF337739-F27D-4495-97BD-5C79DD1BBA30}"/>
+    <dgm:cxn modelId="{6E952E53-C9AA-4F3B-A0B8-2798AE03CE09}" type="presOf" srcId="{E85E6D07-C515-4433-9051-AE55E56A82C2}" destId="{C197166F-93DF-4BCC-B98B-A2D995B06DE8}" srcOrd="1" destOrd="2" presId="urn:microsoft.com/office/officeart/2005/8/layout/hProcess4"/>
+    <dgm:cxn modelId="{F2730FDD-7ABF-4298-B589-30E18B5A886C}" type="presOf" srcId="{54D46E80-EF20-4AFB-913D-C0704C878799}" destId="{C2B27969-E2C3-4144-9634-21D6F6AEA95C}" srcOrd="0" destOrd="3" presId="urn:microsoft.com/office/officeart/2005/8/layout/hProcess4"/>
+    <dgm:cxn modelId="{98E7EC5C-C9AC-40F5-92B1-F0EAE2E196BC}" type="presOf" srcId="{D41F5771-3F9F-4F1D-ACD5-D30FCE77AE4C}" destId="{C197166F-93DF-4BCC-B98B-A2D995B06DE8}" srcOrd="1" destOrd="3" presId="urn:microsoft.com/office/officeart/2005/8/layout/hProcess4"/>
+    <dgm:cxn modelId="{5DDC15D3-5DA5-4F81-B15D-7B0B32D20A7B}" type="presOf" srcId="{54D46E80-EF20-4AFB-913D-C0704C878799}" destId="{B1634402-A3BB-4730-85E7-1991323416C4}" srcOrd="1" destOrd="3" presId="urn:microsoft.com/office/officeart/2005/8/layout/hProcess4"/>
+    <dgm:cxn modelId="{F57B3C38-0342-45C7-B349-84309A4470E8}" srcId="{C52447C1-F966-4BB4-8160-38846F099C0A}" destId="{E85E6D07-C515-4433-9051-AE55E56A82C2}" srcOrd="2" destOrd="0" parTransId="{88C2CDAF-1B87-445F-B47D-133983BBD8A5}" sibTransId="{EB72D899-E8EA-4062-BBA9-740368A06B04}"/>
+    <dgm:cxn modelId="{832683B3-63E4-4BDF-B321-C9BBAC259D3B}" type="presOf" srcId="{650604A5-58C8-4D20-AD00-3EBFE0987370}" destId="{295261B3-358B-4BB5-AFD0-A0FFBA15D31C}" srcOrd="1" destOrd="3" presId="urn:microsoft.com/office/officeart/2005/8/layout/hProcess4"/>
+    <dgm:cxn modelId="{0E434F84-E41E-4671-972D-DA55E3C28EAD}" type="presOf" srcId="{C52447C1-F966-4BB4-8160-38846F099C0A}" destId="{345DA3E4-9583-47D7-BC98-3CA72E0F3F89}" srcOrd="0" destOrd="0" presId="urn:microsoft.com/office/officeart/2005/8/layout/hProcess4"/>
+    <dgm:cxn modelId="{16258D84-67AB-4CAA-B6BF-0AAEB18E6CA7}" srcId="{0B914B05-8895-4C93-BA6D-152D78A57195}" destId="{302CFE00-3F48-4095-BCBB-D6F9576B11DD}" srcOrd="0" destOrd="0" parTransId="{AA5AA9B3-BEAF-497D-8F30-402E3A5DDE45}" sibTransId="{DFF3C008-8EA4-44FC-8577-EEA70C3DC453}"/>
     <dgm:cxn modelId="{D962B0F0-1ED1-4D75-B33A-8FC5565EE221}" type="presOf" srcId="{203DAFCB-34E5-42A2-A019-42473EA8C6B1}" destId="{C2B27969-E2C3-4144-9634-21D6F6AEA95C}" srcOrd="0" destOrd="0" presId="urn:microsoft.com/office/officeart/2005/8/layout/hProcess4"/>
-    <dgm:cxn modelId="{98E7EC5C-C9AC-40F5-92B1-F0EAE2E196BC}" type="presOf" srcId="{D41F5771-3F9F-4F1D-ACD5-D30FCE77AE4C}" destId="{C197166F-93DF-4BCC-B98B-A2D995B06DE8}" srcOrd="1" destOrd="3" presId="urn:microsoft.com/office/officeart/2005/8/layout/hProcess4"/>
-    <dgm:cxn modelId="{9631DC30-707D-4F3A-9A44-87264E4DF252}" type="presOf" srcId="{D3338087-11B7-4B09-B9ED-3CCC02712ABF}" destId="{6B1A799C-E016-4120-800B-FD03E88B24E5}" srcOrd="0" destOrd="1" presId="urn:microsoft.com/office/officeart/2005/8/layout/hProcess4"/>
-    <dgm:cxn modelId="{151F81D4-0693-4F77-9097-8E56FDF8635B}" type="presOf" srcId="{0B914B05-8895-4C93-BA6D-152D78A57195}" destId="{6E6E0D4F-8E59-40AE-B16D-4AA8A94800E6}" srcOrd="0" destOrd="0" presId="urn:microsoft.com/office/officeart/2005/8/layout/hProcess4"/>
-    <dgm:cxn modelId="{C1FD666B-BCCB-4286-AAB0-EEC257E6421D}" srcId="{CEBB40F9-A87F-42EF-AD38-E5D616854E50}" destId="{54D46E80-EF20-4AFB-913D-C0704C878799}" srcOrd="3" destOrd="0" parTransId="{72AF46A1-E77A-4189-9163-94D66723D185}" sibTransId="{D935A5D4-FBE4-4EB8-9BA8-87D14B29282E}"/>
-    <dgm:cxn modelId="{F2730FDD-7ABF-4298-B589-30E18B5A886C}" type="presOf" srcId="{54D46E80-EF20-4AFB-913D-C0704C878799}" destId="{C2B27969-E2C3-4144-9634-21D6F6AEA95C}" srcOrd="0" destOrd="3" presId="urn:microsoft.com/office/officeart/2005/8/layout/hProcess4"/>
-    <dgm:cxn modelId="{40C33FA7-A346-44C8-93DE-FD83B9D43801}" srcId="{C52447C1-F966-4BB4-8160-38846F099C0A}" destId="{CBB97881-7E70-4D02-9FA5-994F17DE08A7}" srcOrd="0" destOrd="0" parTransId="{BB05A33C-B452-4A01-94DA-F9AC8671CB40}" sibTransId="{1AA208F5-2814-4563-A046-0C4C32EAF72C}"/>
-    <dgm:cxn modelId="{5DDC15D3-5DA5-4F81-B15D-7B0B32D20A7B}" type="presOf" srcId="{54D46E80-EF20-4AFB-913D-C0704C878799}" destId="{B1634402-A3BB-4730-85E7-1991323416C4}" srcOrd="1" destOrd="3" presId="urn:microsoft.com/office/officeart/2005/8/layout/hProcess4"/>
-    <dgm:cxn modelId="{832683B3-63E4-4BDF-B321-C9BBAC259D3B}" type="presOf" srcId="{650604A5-58C8-4D20-AD00-3EBFE0987370}" destId="{295261B3-358B-4BB5-AFD0-A0FFBA15D31C}" srcOrd="1" destOrd="3" presId="urn:microsoft.com/office/officeart/2005/8/layout/hProcess4"/>
     <dgm:cxn modelId="{B4A597D2-33E4-4EE3-A0F1-9361AEC93D8F}" srcId="{C52447C1-F966-4BB4-8160-38846F099C0A}" destId="{3C304B84-9C1E-4E8A-B87A-ED6D8EE66903}" srcOrd="1" destOrd="0" parTransId="{65C700C3-2A9B-4AE8-A3FC-A45B447E1023}" sibTransId="{B7E56B4B-B068-40F9-A49A-1DB350D0C8B8}"/>
-    <dgm:cxn modelId="{77E6733F-2BC2-4C9A-B238-39C86EEE4F90}" type="presOf" srcId="{4FD8FDEB-E8A1-41E9-962F-891E6936C0BC}" destId="{B1634402-A3BB-4730-85E7-1991323416C4}" srcOrd="1" destOrd="1" presId="urn:microsoft.com/office/officeart/2005/8/layout/hProcess4"/>
-    <dgm:cxn modelId="{70A6E62F-729D-4FB8-8264-C41AEC8F95FE}" type="presOf" srcId="{E85E6D07-C515-4433-9051-AE55E56A82C2}" destId="{B5980C0B-D124-489E-AB4E-F69B06FB8F6F}" srcOrd="0" destOrd="2" presId="urn:microsoft.com/office/officeart/2005/8/layout/hProcess4"/>
-    <dgm:cxn modelId="{CD661AFF-DA75-4B58-8A0C-D889598C082C}" srcId="{CEBB40F9-A87F-42EF-AD38-E5D616854E50}" destId="{8092328C-88A7-4757-A57A-25EDAA186BDE}" srcOrd="2" destOrd="0" parTransId="{3965846E-3FF9-48FB-96E6-FD9F0BBCA3BE}" sibTransId="{EF337739-F27D-4495-97BD-5C79DD1BBA30}"/>
-    <dgm:cxn modelId="{9735579C-146C-40A2-9B28-B4EEF5728CF7}" type="presOf" srcId="{302CFE00-3F48-4095-BCBB-D6F9576B11DD}" destId="{AE31E570-25AF-4312-9A52-83251E1FD599}" srcOrd="0" destOrd="0" presId="urn:microsoft.com/office/officeart/2005/8/layout/hProcess4"/>
-    <dgm:cxn modelId="{6E952E53-C9AA-4F3B-A0B8-2798AE03CE09}" type="presOf" srcId="{E85E6D07-C515-4433-9051-AE55E56A82C2}" destId="{C197166F-93DF-4BCC-B98B-A2D995B06DE8}" srcOrd="1" destOrd="2" presId="urn:microsoft.com/office/officeart/2005/8/layout/hProcess4"/>
-    <dgm:cxn modelId="{DA4F1296-E997-4494-86EA-51684182BA9B}" type="presOf" srcId="{8092328C-88A7-4757-A57A-25EDAA186BDE}" destId="{C2B27969-E2C3-4144-9634-21D6F6AEA95C}" srcOrd="0" destOrd="2" presId="urn:microsoft.com/office/officeart/2005/8/layout/hProcess4"/>
-    <dgm:cxn modelId="{39DCA7AC-343C-477F-9B55-6511A08752EB}" srcId="{302CFE00-3F48-4095-BCBB-D6F9576B11DD}" destId="{F834004B-C375-46A6-8131-1D4F17CF711F}" srcOrd="2" destOrd="0" parTransId="{E6DEB178-DF4E-41F2-AE8F-434076452011}" sibTransId="{FCD7EC6C-9C3C-4DB4-843D-DBBB157B2F90}"/>
-    <dgm:cxn modelId="{1239172C-DDB6-40D0-A11B-808F6463391F}" srcId="{0B914B05-8895-4C93-BA6D-152D78A57195}" destId="{CEBB40F9-A87F-42EF-AD38-E5D616854E50}" srcOrd="1" destOrd="0" parTransId="{32350FCB-F0D4-4068-80C9-B08F67F8E839}" sibTransId="{C2327203-37E4-4A73-9C08-97D7857C5EE3}"/>
-    <dgm:cxn modelId="{F464CB64-EF7A-46F3-9EC9-370AF2FF3C6D}" srcId="{302CFE00-3F48-4095-BCBB-D6F9576B11DD}" destId="{D3338087-11B7-4B09-B9ED-3CCC02712ABF}" srcOrd="1" destOrd="0" parTransId="{51BB3A4D-D3F4-4FB3-9315-E7B02B52D134}" sibTransId="{8F78D906-0DAA-41EE-BAD3-93C3882D8A0A}"/>
-    <dgm:cxn modelId="{EACF5F30-1CEF-43E2-8D3B-351DA775404D}" type="presOf" srcId="{203DAFCB-34E5-42A2-A019-42473EA8C6B1}" destId="{B1634402-A3BB-4730-85E7-1991323416C4}" srcOrd="1" destOrd="0" presId="urn:microsoft.com/office/officeart/2005/8/layout/hProcess4"/>
-    <dgm:cxn modelId="{0E434F84-E41E-4671-972D-DA55E3C28EAD}" type="presOf" srcId="{C52447C1-F966-4BB4-8160-38846F099C0A}" destId="{345DA3E4-9583-47D7-BC98-3CA72E0F3F89}" srcOrd="0" destOrd="0" presId="urn:microsoft.com/office/officeart/2005/8/layout/hProcess4"/>
-    <dgm:cxn modelId="{0F27B9C3-11A7-4D72-9477-22EF340EBC36}" type="presOf" srcId="{F834004B-C375-46A6-8131-1D4F17CF711F}" destId="{295261B3-358B-4BB5-AFD0-A0FFBA15D31C}" srcOrd="1" destOrd="2" presId="urn:microsoft.com/office/officeart/2005/8/layout/hProcess4"/>
-    <dgm:cxn modelId="{205DDA48-3C87-4CA0-A29B-76F4B8B502D1}" type="presOf" srcId="{25D18B04-A81D-4D70-BBB5-F85ED6922DD4}" destId="{295261B3-358B-4BB5-AFD0-A0FFBA15D31C}" srcOrd="1" destOrd="0" presId="urn:microsoft.com/office/officeart/2005/8/layout/hProcess4"/>
-    <dgm:cxn modelId="{F57B3C38-0342-45C7-B349-84309A4470E8}" srcId="{C52447C1-F966-4BB4-8160-38846F099C0A}" destId="{E85E6D07-C515-4433-9051-AE55E56A82C2}" srcOrd="2" destOrd="0" parTransId="{88C2CDAF-1B87-445F-B47D-133983BBD8A5}" sibTransId="{EB72D899-E8EA-4062-BBA9-740368A06B04}"/>
-    <dgm:cxn modelId="{16258D84-67AB-4CAA-B6BF-0AAEB18E6CA7}" srcId="{0B914B05-8895-4C93-BA6D-152D78A57195}" destId="{302CFE00-3F48-4095-BCBB-D6F9576B11DD}" srcOrd="0" destOrd="0" parTransId="{AA5AA9B3-BEAF-497D-8F30-402E3A5DDE45}" sibTransId="{DFF3C008-8EA4-44FC-8577-EEA70C3DC453}"/>
-    <dgm:cxn modelId="{77586FFB-D799-420F-97DB-B4CFB8C09057}" type="presOf" srcId="{3C304B84-9C1E-4E8A-B87A-ED6D8EE66903}" destId="{B5980C0B-D124-489E-AB4E-F69B06FB8F6F}" srcOrd="0" destOrd="1" presId="urn:microsoft.com/office/officeart/2005/8/layout/hProcess4"/>
-    <dgm:cxn modelId="{982251C1-68D9-4C02-946A-79F04B308279}" type="presOf" srcId="{8092328C-88A7-4757-A57A-25EDAA186BDE}" destId="{B1634402-A3BB-4730-85E7-1991323416C4}" srcOrd="1" destOrd="2" presId="urn:microsoft.com/office/officeart/2005/8/layout/hProcess4"/>
-    <dgm:cxn modelId="{56BFAE0F-F087-44CB-A28C-9E4CB1E80547}" srcId="{302CFE00-3F48-4095-BCBB-D6F9576B11DD}" destId="{650604A5-58C8-4D20-AD00-3EBFE0987370}" srcOrd="3" destOrd="0" parTransId="{CF8E187B-9F42-4128-A48D-068737D98C8D}" sibTransId="{AE9EF56B-73BC-406D-9A7C-544E818A15BE}"/>
-    <dgm:cxn modelId="{02DF977F-44D6-4AFD-BBAB-8D566D1CE50D}" type="presOf" srcId="{F834004B-C375-46A6-8131-1D4F17CF711F}" destId="{6B1A799C-E016-4120-800B-FD03E88B24E5}" srcOrd="0" destOrd="2" presId="urn:microsoft.com/office/officeart/2005/8/layout/hProcess4"/>
-    <dgm:cxn modelId="{7B4B8670-CC15-4B7A-8471-2041F322335E}" srcId="{CEBB40F9-A87F-42EF-AD38-E5D616854E50}" destId="{203DAFCB-34E5-42A2-A019-42473EA8C6B1}" srcOrd="0" destOrd="0" parTransId="{FA79E746-6233-46E2-8825-8693C373D160}" sibTransId="{30CB152C-3076-4684-94E6-995FD26BEDF0}"/>
-    <dgm:cxn modelId="{E20DD0BE-552C-483E-95AA-F5D94ADAE7D9}" srcId="{302CFE00-3F48-4095-BCBB-D6F9576B11DD}" destId="{25D18B04-A81D-4D70-BBB5-F85ED6922DD4}" srcOrd="0" destOrd="0" parTransId="{0AA3D0E1-CBF6-49E6-9A28-623A39A08EF1}" sibTransId="{BDCBC3FD-3083-4B75-A704-D8344B669905}"/>
-    <dgm:cxn modelId="{E0A53A4A-9B2C-45FE-BEF9-7E271DAEEE7D}" type="presOf" srcId="{CBB97881-7E70-4D02-9FA5-994F17DE08A7}" destId="{C197166F-93DF-4BCC-B98B-A2D995B06DE8}" srcOrd="1" destOrd="0" presId="urn:microsoft.com/office/officeart/2005/8/layout/hProcess4"/>
-    <dgm:cxn modelId="{6D933047-34E4-4A90-A7C2-5DDB1D3BAB88}" srcId="{CEBB40F9-A87F-42EF-AD38-E5D616854E50}" destId="{4FD8FDEB-E8A1-41E9-962F-891E6936C0BC}" srcOrd="1" destOrd="0" parTransId="{ACEF541B-7FA0-43D9-8CFA-2E8A08939448}" sibTransId="{BED2EC2F-CF1A-4DB6-BE31-FA2BCB407B0F}"/>
-    <dgm:cxn modelId="{C7D135A8-8FC5-4DD8-89AD-35F49EA6AA68}" type="presOf" srcId="{8EC432C2-19B3-4F3E-99AF-612569983479}" destId="{295261B3-358B-4BB5-AFD0-A0FFBA15D31C}" srcOrd="1" destOrd="4" presId="urn:microsoft.com/office/officeart/2005/8/layout/hProcess4"/>
-    <dgm:cxn modelId="{B7B7A91B-A434-4516-8371-1270A23F7AB7}" type="presOf" srcId="{650604A5-58C8-4D20-AD00-3EBFE0987370}" destId="{6B1A799C-E016-4120-800B-FD03E88B24E5}" srcOrd="0" destOrd="3" presId="urn:microsoft.com/office/officeart/2005/8/layout/hProcess4"/>
     <dgm:cxn modelId="{200A3AD8-A367-48E1-B6B4-868DBD02E30F}" type="presOf" srcId="{8EC432C2-19B3-4F3E-99AF-612569983479}" destId="{6B1A799C-E016-4120-800B-FD03E88B24E5}" srcOrd="0" destOrd="4" presId="urn:microsoft.com/office/officeart/2005/8/layout/hProcess4"/>
-    <dgm:cxn modelId="{B2509BCD-C5AB-4CBA-AE25-8A40D383CDED}" srcId="{0B914B05-8895-4C93-BA6D-152D78A57195}" destId="{C52447C1-F966-4BB4-8160-38846F099C0A}" srcOrd="2" destOrd="0" parTransId="{C368A9C7-65FF-4ECE-A03D-B3DCD64F35E5}" sibTransId="{518A1380-F07C-4097-920E-B816BDF5068C}"/>
     <dgm:cxn modelId="{4BD2BC12-CD4F-42D6-9A20-5F63EEE08CD8}" type="presOf" srcId="{D3338087-11B7-4B09-B9ED-3CCC02712ABF}" destId="{295261B3-358B-4BB5-AFD0-A0FFBA15D31C}" srcOrd="1" destOrd="1" presId="urn:microsoft.com/office/officeart/2005/8/layout/hProcess4"/>
-    <dgm:cxn modelId="{801C9225-D3E6-4AFA-87F8-A9FA6DC2F4D2}" type="presOf" srcId="{4FD8FDEB-E8A1-41E9-962F-891E6936C0BC}" destId="{C2B27969-E2C3-4144-9634-21D6F6AEA95C}" srcOrd="0" destOrd="1" presId="urn:microsoft.com/office/officeart/2005/8/layout/hProcess4"/>
-    <dgm:cxn modelId="{E4B50447-42E2-4517-8E3F-7800F46A0133}" type="presOf" srcId="{C2327203-37E4-4A73-9C08-97D7857C5EE3}" destId="{59674CAB-D590-495F-A3C3-2BB5DCF00257}" srcOrd="0" destOrd="0" presId="urn:microsoft.com/office/officeart/2005/8/layout/hProcess4"/>
-    <dgm:cxn modelId="{C0765E55-995F-420A-BBFB-A06C746BD404}" srcId="{302CFE00-3F48-4095-BCBB-D6F9576B11DD}" destId="{8EC432C2-19B3-4F3E-99AF-612569983479}" srcOrd="4" destOrd="0" parTransId="{1BC6A573-5489-41BC-9395-B16E7A40A855}" sibTransId="{2AECE456-8585-4DB8-B5A3-6BD9A670EF4D}"/>
     <dgm:cxn modelId="{ACA8789E-74EB-4373-B21F-6357FBD0F9AE}" type="presParOf" srcId="{6E6E0D4F-8E59-40AE-B16D-4AA8A94800E6}" destId="{66F31E1F-DA80-47C2-8AC2-EED608B3492F}" srcOrd="0" destOrd="0" presId="urn:microsoft.com/office/officeart/2005/8/layout/hProcess4"/>
     <dgm:cxn modelId="{719F1257-B7D3-42C1-A24F-FFB7E1F0516A}" type="presParOf" srcId="{6E6E0D4F-8E59-40AE-B16D-4AA8A94800E6}" destId="{42147419-A78A-486A-881C-5468FA3C3A15}" srcOrd="1" destOrd="0" presId="urn:microsoft.com/office/officeart/2005/8/layout/hProcess4"/>
     <dgm:cxn modelId="{562150BF-8F98-49E4-91FD-8B3B9E979218}" type="presParOf" srcId="{6E6E0D4F-8E59-40AE-B16D-4AA8A94800E6}" destId="{8C19489E-3445-4D85-A1F7-C1EFB5946E61}" srcOrd="2" destOrd="0" presId="urn:microsoft.com/office/officeart/2005/8/layout/hProcess4"/>
@@ -6880,11 +6914,7 @@
           </a:pPr>
           <a:r>
             <a:rPr lang="es-MX" sz="1400" kern="1200" dirty="0" smtClean="0"/>
-            <a:t>Organiza, </a:t>
-          </a:r>
-          <a:r>
-            <a:rPr lang="es-MX" sz="1400" kern="1200" dirty="0" smtClean="0"/>
-            <a:t>cosecha, acopio y transporte</a:t>
+            <a:t>Organiza, cosecha, acopio y transporte</a:t>
           </a:r>
           <a:endParaRPr lang="es-MX" sz="1400" kern="1200" dirty="0"/>
         </a:p>
@@ -6903,11 +6933,7 @@
           </a:pPr>
           <a:r>
             <a:rPr lang="es-MX" sz="1400" kern="1200" dirty="0" smtClean="0"/>
-            <a:t>Entrega </a:t>
-          </a:r>
-          <a:r>
-            <a:rPr lang="es-MX" sz="1400" kern="1200" dirty="0" smtClean="0"/>
-            <a:t>de CV por punto de entrega</a:t>
+            <a:t>Entrega de CV por punto de entrega</a:t>
           </a:r>
           <a:endParaRPr lang="es-MX" sz="1400" kern="1200" dirty="0"/>
         </a:p>
@@ -14471,7 +14497,7 @@
             <a:fld id="{697F4E3F-F986-447F-A51B-1E21A40A2ADF}" type="datetimeFigureOut">
               <a:rPr lang="es-MX" smtClean="0"/>
               <a:pPr/>
-              <a:t>07/06/2018</a:t>
+              <a:t>01/02/2019</a:t>
             </a:fld>
             <a:endParaRPr lang="es-MX"/>
           </a:p>
@@ -14670,7 +14696,7 @@
             <a:fld id="{697F4E3F-F986-447F-A51B-1E21A40A2ADF}" type="datetimeFigureOut">
               <a:rPr lang="es-MX" smtClean="0"/>
               <a:pPr/>
-              <a:t>07/06/2018</a:t>
+              <a:t>01/02/2019</a:t>
             </a:fld>
             <a:endParaRPr lang="es-MX"/>
           </a:p>
@@ -14823,7 +14849,7 @@
             <a:fld id="{697F4E3F-F986-447F-A51B-1E21A40A2ADF}" type="datetimeFigureOut">
               <a:rPr lang="es-MX" smtClean="0"/>
               <a:pPr/>
-              <a:t>07/06/2018</a:t>
+              <a:t>01/02/2019</a:t>
             </a:fld>
             <a:endParaRPr lang="es-MX"/>
           </a:p>
@@ -16605,7 +16631,7 @@
             <a:fld id="{697F4E3F-F986-447F-A51B-1E21A40A2ADF}" type="datetimeFigureOut">
               <a:rPr lang="es-MX" smtClean="0"/>
               <a:pPr/>
-              <a:t>07/06/2018</a:t>
+              <a:t>01/02/2019</a:t>
             </a:fld>
             <a:endParaRPr lang="es-MX"/>
           </a:p>
@@ -16753,7 +16779,7 @@
             <a:fld id="{697F4E3F-F986-447F-A51B-1E21A40A2ADF}" type="datetimeFigureOut">
               <a:rPr lang="es-MX" smtClean="0"/>
               <a:pPr/>
-              <a:t>07/06/2018</a:t>
+              <a:t>01/02/2019</a:t>
             </a:fld>
             <a:endParaRPr lang="es-MX"/>
           </a:p>
@@ -16915,7 +16941,7 @@
             <a:fld id="{697F4E3F-F986-447F-A51B-1E21A40A2ADF}" type="datetimeFigureOut">
               <a:rPr lang="es-MX" smtClean="0"/>
               <a:pPr/>
-              <a:t>07/06/2018</a:t>
+              <a:t>01/02/2019</a:t>
             </a:fld>
             <a:endParaRPr lang="es-MX"/>
           </a:p>
@@ -17114,7 +17140,7 @@
             <a:fld id="{697F4E3F-F986-447F-A51B-1E21A40A2ADF}" type="datetimeFigureOut">
               <a:rPr lang="es-MX" smtClean="0"/>
               <a:pPr/>
-              <a:t>07/06/2018</a:t>
+              <a:t>01/02/2019</a:t>
             </a:fld>
             <a:endParaRPr lang="es-MX"/>
           </a:p>
@@ -18969,7 +18995,7 @@
             <a:fld id="{697F4E3F-F986-447F-A51B-1E21A40A2ADF}" type="datetimeFigureOut">
               <a:rPr lang="es-MX" smtClean="0"/>
               <a:pPr/>
-              <a:t>07/06/2018</a:t>
+              <a:t>01/02/2019</a:t>
             </a:fld>
             <a:endParaRPr lang="es-MX"/>
           </a:p>
@@ -19092,7 +19118,7 @@
             <a:fld id="{697F4E3F-F986-447F-A51B-1E21A40A2ADF}" type="datetimeFigureOut">
               <a:rPr lang="es-MX" smtClean="0"/>
               <a:pPr/>
-              <a:t>07/06/2018</a:t>
+              <a:t>01/02/2019</a:t>
             </a:fld>
             <a:endParaRPr lang="es-MX"/>
           </a:p>
@@ -19661,7 +19687,7 @@
             <a:fld id="{697F4E3F-F986-447F-A51B-1E21A40A2ADF}" type="datetimeFigureOut">
               <a:rPr lang="es-MX" smtClean="0"/>
               <a:pPr/>
-              <a:t>07/06/2018</a:t>
+              <a:t>01/02/2019</a:t>
             </a:fld>
             <a:endParaRPr lang="es-MX"/>
           </a:p>
@@ -19784,7 +19810,7 @@
             <a:fld id="{697F4E3F-F986-447F-A51B-1E21A40A2ADF}" type="datetimeFigureOut">
               <a:rPr lang="es-MX" smtClean="0"/>
               <a:pPr/>
-              <a:t>07/06/2018</a:t>
+              <a:t>01/02/2019</a:t>
             </a:fld>
             <a:endParaRPr lang="es-MX"/>
           </a:p>
@@ -21609,7 +21635,7 @@
             <a:fld id="{697F4E3F-F986-447F-A51B-1E21A40A2ADF}" type="datetimeFigureOut">
               <a:rPr lang="es-MX" smtClean="0"/>
               <a:pPr/>
-              <a:t>07/06/2018</a:t>
+              <a:t>01/02/2019</a:t>
             </a:fld>
             <a:endParaRPr lang="es-MX"/>
           </a:p>
@@ -21762,7 +21788,7 @@
             <a:fld id="{697F4E3F-F986-447F-A51B-1E21A40A2ADF}" type="datetimeFigureOut">
               <a:rPr lang="es-MX" smtClean="0"/>
               <a:pPr/>
-              <a:t>07/06/2018</a:t>
+              <a:t>01/02/2019</a:t>
             </a:fld>
             <a:endParaRPr lang="es-MX"/>
           </a:p>
@@ -25394,7 +25420,7 @@
             <a:fld id="{697F4E3F-F986-447F-A51B-1E21A40A2ADF}" type="datetimeFigureOut">
               <a:rPr lang="es-MX" smtClean="0"/>
               <a:pPr/>
-              <a:t>07/06/2018</a:t>
+              <a:t>01/02/2019</a:t>
             </a:fld>
             <a:endParaRPr lang="es-MX"/>
           </a:p>
@@ -27222,7 +27248,7 @@
             <a:fld id="{697F4E3F-F986-447F-A51B-1E21A40A2ADF}" type="datetimeFigureOut">
               <a:rPr lang="es-MX" smtClean="0"/>
               <a:pPr/>
-              <a:t>07/06/2018</a:t>
+              <a:t>01/02/2019</a:t>
             </a:fld>
             <a:endParaRPr lang="es-MX"/>
           </a:p>
@@ -28295,17 +28321,7 @@
                 <a:latin typeface="Arial" pitchFamily="34" charset="0"/>
                 <a:cs typeface="Arial" pitchFamily="34" charset="0"/>
               </a:rPr>
-              <a:t>Se podrán atender promotores bajo las siguientes características</a:t>
-            </a:r>
-            <a:r>
-              <a:rPr lang="es-ES" sz="1500" b="1" dirty="0" smtClean="0">
-                <a:solidFill>
-                  <a:schemeClr val="bg1"/>
-                </a:solidFill>
-                <a:latin typeface="Arial" pitchFamily="34" charset="0"/>
-                <a:cs typeface="Arial" pitchFamily="34" charset="0"/>
-              </a:rPr>
-              <a:t>:</a:t>
+              <a:t>Se podrán atender promotores bajo las siguientes características:</a:t>
             </a:r>
             <a:endParaRPr lang="es-ES" sz="1500" b="1" dirty="0">
               <a:solidFill>
@@ -28693,11 +28709,7 @@
             <a:pPr algn="just"/>
             <a:r>
               <a:rPr lang="es-MX" sz="1600" dirty="0" smtClean="0"/>
-              <a:t>Cada Canasta Verde 20*70, incluye un recetario e información complementaria del productor, propiedades nutricionales y medicinales, así como un esquema de incentivos y promociones que le brindaran beneficios adicionales por ser un promotor líder en su localidad o colonia</a:t>
-            </a:r>
-            <a:r>
-              <a:rPr lang="es-MX" sz="1600" dirty="0" smtClean="0"/>
-              <a:t>. Bajo el siguiente esquema:</a:t>
+              <a:t>Cada Canasta Verde 20*70, incluye un recetario e información complementaria del productor, propiedades nutricionales y medicinales, así como un esquema de incentivos y promociones que le brindaran beneficios adicionales por ser un promotor líder en su localidad o colonia. Bajo el siguiente esquema:</a:t>
             </a:r>
           </a:p>
           <a:p>
@@ -28748,11 +28760,7 @@
             </a:r>
             <a:r>
               <a:rPr lang="es-ES" sz="1600" dirty="0"/>
-              <a:t>retornables y tienen </a:t>
-            </a:r>
-            <a:r>
-              <a:rPr lang="es-ES" sz="1600" dirty="0"/>
-              <a:t>un costo de $20.00 en caso de no </a:t>
+              <a:t>retornables y tienen un costo de $20.00 en caso de no </a:t>
             </a:r>
             <a:r>
               <a:rPr lang="es-ES" sz="1600" dirty="0" smtClean="0"/>
@@ -29003,11 +29011,7 @@
             </a:pPr>
             <a:r>
               <a:rPr lang="es-ES" sz="1600" dirty="0" smtClean="0"/>
-              <a:t>Una vez recibidas las CV 20*70, el promotor, </a:t>
-            </a:r>
-            <a:r>
-              <a:rPr lang="es-ES" sz="1600" dirty="0" smtClean="0"/>
-              <a:t>firma orden de entrega como acuse de recibido a satisfacción y liquida el importe de las canastas solicitadas</a:t>
+              <a:t>Una vez recibidas las CV 20*70, el promotor, firma orden de entrega como acuse de recibido a satisfacción y liquida el importe de las canastas solicitadas</a:t>
             </a:r>
           </a:p>
           <a:p>
@@ -29083,7 +29087,7 @@
 <file path=ppt/theme/theme1.xml><?xml version="1.0" encoding="utf-8"?>
 <a:theme xmlns:a="http://schemas.openxmlformats.org/drawingml/2006/main" name="Forma de onda">
   <a:themeElements>
-    <a:clrScheme name="Austin">
+    <a:clrScheme name="Office">
       <a:dk1>
         <a:sysClr val="windowText" lastClr="000000"/>
       </a:dk1>
@@ -29091,34 +29095,34 @@
         <a:sysClr val="window" lastClr="FFFFFF"/>
       </a:lt1>
       <a:dk2>
-        <a:srgbClr val="3E3D2D"/>
+        <a:srgbClr val="1F497D"/>
       </a:dk2>
       <a:lt2>
-        <a:srgbClr val="CAF278"/>
+        <a:srgbClr val="EEECE1"/>
       </a:lt2>
       <a:accent1>
-        <a:srgbClr val="94C600"/>
+        <a:srgbClr val="4F81BD"/>
       </a:accent1>
       <a:accent2>
-        <a:srgbClr val="71685A"/>
+        <a:srgbClr val="C0504D"/>
       </a:accent2>
       <a:accent3>
-        <a:srgbClr val="FF6700"/>
+        <a:srgbClr val="9BBB59"/>
       </a:accent3>
       <a:accent4>
-        <a:srgbClr val="909465"/>
+        <a:srgbClr val="8064A2"/>
       </a:accent4>
       <a:accent5>
-        <a:srgbClr val="956B43"/>
+        <a:srgbClr val="4BACC6"/>
       </a:accent5>
       <a:accent6>
-        <a:srgbClr val="FEA022"/>
+        <a:srgbClr val="F79646"/>
       </a:accent6>
       <a:hlink>
-        <a:srgbClr val="E68200"/>
+        <a:srgbClr val="0000FF"/>
       </a:hlink>
       <a:folHlink>
-        <a:srgbClr val="FFA94A"/>
+        <a:srgbClr val="800080"/>
       </a:folHlink>
     </a:clrScheme>
     <a:fontScheme name="Forma de onda">
